--- a/public/img/workshops/workshop_icons.pptx
+++ b/public/img/workshops/workshop_icons.pptx
@@ -7,8 +7,10 @@
   <p:sldIdLst>
     <p:sldId id="258" r:id="rId2"/>
     <p:sldId id="256" r:id="rId3"/>
-    <p:sldId id="259" r:id="rId4"/>
-    <p:sldId id="257" r:id="rId5"/>
+    <p:sldId id="260" r:id="rId4"/>
+    <p:sldId id="261" r:id="rId5"/>
+    <p:sldId id="259" r:id="rId6"/>
+    <p:sldId id="257" r:id="rId7"/>
   </p:sldIdLst>
   <p:sldSz cx="12192000" cy="6858000"/>
   <p:notesSz cx="6858000" cy="9144000"/>
@@ -157,10 +159,9 @@
           </a:lstStyle>
           <a:p>
             <a:r>
-              <a:rPr lang="en-US" smtClean="0"/>
+              <a:rPr lang="en-US"/>
               <a:t>Click to edit Master title style</a:t>
             </a:r>
-            <a:endParaRPr lang="en-US"/>
           </a:p>
         </p:txBody>
       </p:sp>
@@ -222,10 +223,9 @@
           </a:lstStyle>
           <a:p>
             <a:r>
-              <a:rPr lang="en-US" smtClean="0"/>
+              <a:rPr lang="en-US"/>
               <a:t>Click to edit Master subtitle style</a:t>
             </a:r>
-            <a:endParaRPr lang="en-US"/>
           </a:p>
         </p:txBody>
       </p:sp>
@@ -246,7 +246,7 @@
           <a:p>
             <a:fld id="{AB2EBD6C-865C-469B-B79C-DBC19B8D7A2C}" type="datetimeFigureOut">
               <a:rPr lang="en-US" smtClean="0"/>
-              <a:t>2/12/2018</a:t>
+              <a:t>2/1/2021</a:t>
             </a:fld>
             <a:endParaRPr lang="en-US"/>
           </a:p>
@@ -340,10 +340,9 @@
           <a:lstStyle/>
           <a:p>
             <a:r>
-              <a:rPr lang="en-US" smtClean="0"/>
+              <a:rPr lang="en-US"/>
               <a:t>Click to edit Master title style</a:t>
             </a:r>
-            <a:endParaRPr lang="en-US"/>
           </a:p>
         </p:txBody>
       </p:sp>
@@ -364,38 +363,37 @@
           <a:p>
             <a:pPr lvl="0"/>
             <a:r>
-              <a:rPr lang="en-US" smtClean="0"/>
+              <a:rPr lang="en-US"/>
               <a:t>Edit Master text styles</a:t>
             </a:r>
           </a:p>
           <a:p>
             <a:pPr lvl="1"/>
             <a:r>
-              <a:rPr lang="en-US" smtClean="0"/>
+              <a:rPr lang="en-US"/>
               <a:t>Second level</a:t>
             </a:r>
           </a:p>
           <a:p>
             <a:pPr lvl="2"/>
             <a:r>
-              <a:rPr lang="en-US" smtClean="0"/>
+              <a:rPr lang="en-US"/>
               <a:t>Third level</a:t>
             </a:r>
           </a:p>
           <a:p>
             <a:pPr lvl="3"/>
             <a:r>
-              <a:rPr lang="en-US" smtClean="0"/>
+              <a:rPr lang="en-US"/>
               <a:t>Fourth level</a:t>
             </a:r>
           </a:p>
           <a:p>
             <a:pPr lvl="4"/>
             <a:r>
-              <a:rPr lang="en-US" smtClean="0"/>
+              <a:rPr lang="en-US"/>
               <a:t>Fifth level</a:t>
             </a:r>
-            <a:endParaRPr lang="en-US"/>
           </a:p>
         </p:txBody>
       </p:sp>
@@ -416,7 +414,7 @@
           <a:p>
             <a:fld id="{AB2EBD6C-865C-469B-B79C-DBC19B8D7A2C}" type="datetimeFigureOut">
               <a:rPr lang="en-US" smtClean="0"/>
-              <a:t>2/12/2018</a:t>
+              <a:t>2/1/2021</a:t>
             </a:fld>
             <a:endParaRPr lang="en-US"/>
           </a:p>
@@ -515,10 +513,9 @@
           <a:lstStyle/>
           <a:p>
             <a:r>
-              <a:rPr lang="en-US" smtClean="0"/>
+              <a:rPr lang="en-US"/>
               <a:t>Click to edit Master title style</a:t>
             </a:r>
-            <a:endParaRPr lang="en-US"/>
           </a:p>
         </p:txBody>
       </p:sp>
@@ -544,38 +541,37 @@
           <a:p>
             <a:pPr lvl="0"/>
             <a:r>
-              <a:rPr lang="en-US" smtClean="0"/>
+              <a:rPr lang="en-US"/>
               <a:t>Edit Master text styles</a:t>
             </a:r>
           </a:p>
           <a:p>
             <a:pPr lvl="1"/>
             <a:r>
-              <a:rPr lang="en-US" smtClean="0"/>
+              <a:rPr lang="en-US"/>
               <a:t>Second level</a:t>
             </a:r>
           </a:p>
           <a:p>
             <a:pPr lvl="2"/>
             <a:r>
-              <a:rPr lang="en-US" smtClean="0"/>
+              <a:rPr lang="en-US"/>
               <a:t>Third level</a:t>
             </a:r>
           </a:p>
           <a:p>
             <a:pPr lvl="3"/>
             <a:r>
-              <a:rPr lang="en-US" smtClean="0"/>
+              <a:rPr lang="en-US"/>
               <a:t>Fourth level</a:t>
             </a:r>
           </a:p>
           <a:p>
             <a:pPr lvl="4"/>
             <a:r>
-              <a:rPr lang="en-US" smtClean="0"/>
+              <a:rPr lang="en-US"/>
               <a:t>Fifth level</a:t>
             </a:r>
-            <a:endParaRPr lang="en-US"/>
           </a:p>
         </p:txBody>
       </p:sp>
@@ -596,7 +592,7 @@
           <a:p>
             <a:fld id="{AB2EBD6C-865C-469B-B79C-DBC19B8D7A2C}" type="datetimeFigureOut">
               <a:rPr lang="en-US" smtClean="0"/>
-              <a:t>2/12/2018</a:t>
+              <a:t>2/1/2021</a:t>
             </a:fld>
             <a:endParaRPr lang="en-US"/>
           </a:p>
@@ -690,10 +686,9 @@
           <a:lstStyle/>
           <a:p>
             <a:r>
-              <a:rPr lang="en-US" smtClean="0"/>
+              <a:rPr lang="en-US"/>
               <a:t>Click to edit Master title style</a:t>
             </a:r>
-            <a:endParaRPr lang="en-US"/>
           </a:p>
         </p:txBody>
       </p:sp>
@@ -714,38 +709,37 @@
           <a:p>
             <a:pPr lvl="0"/>
             <a:r>
-              <a:rPr lang="en-US" smtClean="0"/>
+              <a:rPr lang="en-US"/>
               <a:t>Edit Master text styles</a:t>
             </a:r>
           </a:p>
           <a:p>
             <a:pPr lvl="1"/>
             <a:r>
-              <a:rPr lang="en-US" smtClean="0"/>
+              <a:rPr lang="en-US"/>
               <a:t>Second level</a:t>
             </a:r>
           </a:p>
           <a:p>
             <a:pPr lvl="2"/>
             <a:r>
-              <a:rPr lang="en-US" smtClean="0"/>
+              <a:rPr lang="en-US"/>
               <a:t>Third level</a:t>
             </a:r>
           </a:p>
           <a:p>
             <a:pPr lvl="3"/>
             <a:r>
-              <a:rPr lang="en-US" smtClean="0"/>
+              <a:rPr lang="en-US"/>
               <a:t>Fourth level</a:t>
             </a:r>
           </a:p>
           <a:p>
             <a:pPr lvl="4"/>
             <a:r>
-              <a:rPr lang="en-US" smtClean="0"/>
+              <a:rPr lang="en-US"/>
               <a:t>Fifth level</a:t>
             </a:r>
-            <a:endParaRPr lang="en-US"/>
           </a:p>
         </p:txBody>
       </p:sp>
@@ -766,7 +760,7 @@
           <a:p>
             <a:fld id="{AB2EBD6C-865C-469B-B79C-DBC19B8D7A2C}" type="datetimeFigureOut">
               <a:rPr lang="en-US" smtClean="0"/>
-              <a:t>2/12/2018</a:t>
+              <a:t>2/1/2021</a:t>
             </a:fld>
             <a:endParaRPr lang="en-US"/>
           </a:p>
@@ -869,10 +863,9 @@
           </a:lstStyle>
           <a:p>
             <a:r>
-              <a:rPr lang="en-US" smtClean="0"/>
+              <a:rPr lang="en-US"/>
               <a:t>Click to edit Master title style</a:t>
             </a:r>
-            <a:endParaRPr lang="en-US"/>
           </a:p>
         </p:txBody>
       </p:sp>
@@ -989,7 +982,7 @@
           <a:p>
             <a:pPr lvl="0"/>
             <a:r>
-              <a:rPr lang="en-US" smtClean="0"/>
+              <a:rPr lang="en-US"/>
               <a:t>Edit Master text styles</a:t>
             </a:r>
           </a:p>
@@ -1012,7 +1005,7 @@
           <a:p>
             <a:fld id="{AB2EBD6C-865C-469B-B79C-DBC19B8D7A2C}" type="datetimeFigureOut">
               <a:rPr lang="en-US" smtClean="0"/>
-              <a:t>2/12/2018</a:t>
+              <a:t>2/1/2021</a:t>
             </a:fld>
             <a:endParaRPr lang="en-US"/>
           </a:p>
@@ -1106,10 +1099,9 @@
           <a:lstStyle/>
           <a:p>
             <a:r>
-              <a:rPr lang="en-US" smtClean="0"/>
+              <a:rPr lang="en-US"/>
               <a:t>Click to edit Master title style</a:t>
             </a:r>
-            <a:endParaRPr lang="en-US"/>
           </a:p>
         </p:txBody>
       </p:sp>
@@ -1135,38 +1127,37 @@
           <a:p>
             <a:pPr lvl="0"/>
             <a:r>
-              <a:rPr lang="en-US" smtClean="0"/>
+              <a:rPr lang="en-US"/>
               <a:t>Edit Master text styles</a:t>
             </a:r>
           </a:p>
           <a:p>
             <a:pPr lvl="1"/>
             <a:r>
-              <a:rPr lang="en-US" smtClean="0"/>
+              <a:rPr lang="en-US"/>
               <a:t>Second level</a:t>
             </a:r>
           </a:p>
           <a:p>
             <a:pPr lvl="2"/>
             <a:r>
-              <a:rPr lang="en-US" smtClean="0"/>
+              <a:rPr lang="en-US"/>
               <a:t>Third level</a:t>
             </a:r>
           </a:p>
           <a:p>
             <a:pPr lvl="3"/>
             <a:r>
-              <a:rPr lang="en-US" smtClean="0"/>
+              <a:rPr lang="en-US"/>
               <a:t>Fourth level</a:t>
             </a:r>
           </a:p>
           <a:p>
             <a:pPr lvl="4"/>
             <a:r>
-              <a:rPr lang="en-US" smtClean="0"/>
+              <a:rPr lang="en-US"/>
               <a:t>Fifth level</a:t>
             </a:r>
-            <a:endParaRPr lang="en-US"/>
           </a:p>
         </p:txBody>
       </p:sp>
@@ -1192,38 +1183,37 @@
           <a:p>
             <a:pPr lvl="0"/>
             <a:r>
-              <a:rPr lang="en-US" smtClean="0"/>
+              <a:rPr lang="en-US"/>
               <a:t>Edit Master text styles</a:t>
             </a:r>
           </a:p>
           <a:p>
             <a:pPr lvl="1"/>
             <a:r>
-              <a:rPr lang="en-US" smtClean="0"/>
+              <a:rPr lang="en-US"/>
               <a:t>Second level</a:t>
             </a:r>
           </a:p>
           <a:p>
             <a:pPr lvl="2"/>
             <a:r>
-              <a:rPr lang="en-US" smtClean="0"/>
+              <a:rPr lang="en-US"/>
               <a:t>Third level</a:t>
             </a:r>
           </a:p>
           <a:p>
             <a:pPr lvl="3"/>
             <a:r>
-              <a:rPr lang="en-US" smtClean="0"/>
+              <a:rPr lang="en-US"/>
               <a:t>Fourth level</a:t>
             </a:r>
           </a:p>
           <a:p>
             <a:pPr lvl="4"/>
             <a:r>
-              <a:rPr lang="en-US" smtClean="0"/>
+              <a:rPr lang="en-US"/>
               <a:t>Fifth level</a:t>
             </a:r>
-            <a:endParaRPr lang="en-US"/>
           </a:p>
         </p:txBody>
       </p:sp>
@@ -1244,7 +1234,7 @@
           <a:p>
             <a:fld id="{AB2EBD6C-865C-469B-B79C-DBC19B8D7A2C}" type="datetimeFigureOut">
               <a:rPr lang="en-US" smtClean="0"/>
-              <a:t>2/12/2018</a:t>
+              <a:t>2/1/2021</a:t>
             </a:fld>
             <a:endParaRPr lang="en-US"/>
           </a:p>
@@ -1343,10 +1333,9 @@
           <a:lstStyle/>
           <a:p>
             <a:r>
-              <a:rPr lang="en-US" smtClean="0"/>
+              <a:rPr lang="en-US"/>
               <a:t>Click to edit Master title style</a:t>
             </a:r>
-            <a:endParaRPr lang="en-US"/>
           </a:p>
         </p:txBody>
       </p:sp>
@@ -1409,7 +1398,7 @@
           <a:p>
             <a:pPr lvl="0"/>
             <a:r>
-              <a:rPr lang="en-US" smtClean="0"/>
+              <a:rPr lang="en-US"/>
               <a:t>Edit Master text styles</a:t>
             </a:r>
           </a:p>
@@ -1437,38 +1426,37 @@
           <a:p>
             <a:pPr lvl="0"/>
             <a:r>
-              <a:rPr lang="en-US" smtClean="0"/>
+              <a:rPr lang="en-US"/>
               <a:t>Edit Master text styles</a:t>
             </a:r>
           </a:p>
           <a:p>
             <a:pPr lvl="1"/>
             <a:r>
-              <a:rPr lang="en-US" smtClean="0"/>
+              <a:rPr lang="en-US"/>
               <a:t>Second level</a:t>
             </a:r>
           </a:p>
           <a:p>
             <a:pPr lvl="2"/>
             <a:r>
-              <a:rPr lang="en-US" smtClean="0"/>
+              <a:rPr lang="en-US"/>
               <a:t>Third level</a:t>
             </a:r>
           </a:p>
           <a:p>
             <a:pPr lvl="3"/>
             <a:r>
-              <a:rPr lang="en-US" smtClean="0"/>
+              <a:rPr lang="en-US"/>
               <a:t>Fourth level</a:t>
             </a:r>
           </a:p>
           <a:p>
             <a:pPr lvl="4"/>
             <a:r>
-              <a:rPr lang="en-US" smtClean="0"/>
+              <a:rPr lang="en-US"/>
               <a:t>Fifth level</a:t>
             </a:r>
-            <a:endParaRPr lang="en-US"/>
           </a:p>
         </p:txBody>
       </p:sp>
@@ -1531,7 +1519,7 @@
           <a:p>
             <a:pPr lvl="0"/>
             <a:r>
-              <a:rPr lang="en-US" smtClean="0"/>
+              <a:rPr lang="en-US"/>
               <a:t>Edit Master text styles</a:t>
             </a:r>
           </a:p>
@@ -1559,38 +1547,37 @@
           <a:p>
             <a:pPr lvl="0"/>
             <a:r>
-              <a:rPr lang="en-US" smtClean="0"/>
+              <a:rPr lang="en-US"/>
               <a:t>Edit Master text styles</a:t>
             </a:r>
           </a:p>
           <a:p>
             <a:pPr lvl="1"/>
             <a:r>
-              <a:rPr lang="en-US" smtClean="0"/>
+              <a:rPr lang="en-US"/>
               <a:t>Second level</a:t>
             </a:r>
           </a:p>
           <a:p>
             <a:pPr lvl="2"/>
             <a:r>
-              <a:rPr lang="en-US" smtClean="0"/>
+              <a:rPr lang="en-US"/>
               <a:t>Third level</a:t>
             </a:r>
           </a:p>
           <a:p>
             <a:pPr lvl="3"/>
             <a:r>
-              <a:rPr lang="en-US" smtClean="0"/>
+              <a:rPr lang="en-US"/>
               <a:t>Fourth level</a:t>
             </a:r>
           </a:p>
           <a:p>
             <a:pPr lvl="4"/>
             <a:r>
-              <a:rPr lang="en-US" smtClean="0"/>
+              <a:rPr lang="en-US"/>
               <a:t>Fifth level</a:t>
             </a:r>
-            <a:endParaRPr lang="en-US"/>
           </a:p>
         </p:txBody>
       </p:sp>
@@ -1611,7 +1598,7 @@
           <a:p>
             <a:fld id="{AB2EBD6C-865C-469B-B79C-DBC19B8D7A2C}" type="datetimeFigureOut">
               <a:rPr lang="en-US" smtClean="0"/>
-              <a:t>2/12/2018</a:t>
+              <a:t>2/1/2021</a:t>
             </a:fld>
             <a:endParaRPr lang="en-US"/>
           </a:p>
@@ -1705,10 +1692,9 @@
           <a:lstStyle/>
           <a:p>
             <a:r>
-              <a:rPr lang="en-US" smtClean="0"/>
+              <a:rPr lang="en-US"/>
               <a:t>Click to edit Master title style</a:t>
             </a:r>
-            <a:endParaRPr lang="en-US"/>
           </a:p>
         </p:txBody>
       </p:sp>
@@ -1729,7 +1715,7 @@
           <a:p>
             <a:fld id="{AB2EBD6C-865C-469B-B79C-DBC19B8D7A2C}" type="datetimeFigureOut">
               <a:rPr lang="en-US" smtClean="0"/>
-              <a:t>2/12/2018</a:t>
+              <a:t>2/1/2021</a:t>
             </a:fld>
             <a:endParaRPr lang="en-US"/>
           </a:p>
@@ -1824,7 +1810,7 @@
           <a:p>
             <a:fld id="{AB2EBD6C-865C-469B-B79C-DBC19B8D7A2C}" type="datetimeFigureOut">
               <a:rPr lang="en-US" smtClean="0"/>
-              <a:t>2/12/2018</a:t>
+              <a:t>2/1/2021</a:t>
             </a:fld>
             <a:endParaRPr lang="en-US"/>
           </a:p>
@@ -1927,10 +1913,9 @@
           </a:lstStyle>
           <a:p>
             <a:r>
-              <a:rPr lang="en-US" smtClean="0"/>
+              <a:rPr lang="en-US"/>
               <a:t>Click to edit Master title style</a:t>
             </a:r>
-            <a:endParaRPr lang="en-US"/>
           </a:p>
         </p:txBody>
       </p:sp>
@@ -1984,38 +1969,37 @@
           <a:p>
             <a:pPr lvl="0"/>
             <a:r>
-              <a:rPr lang="en-US" smtClean="0"/>
+              <a:rPr lang="en-US"/>
               <a:t>Edit Master text styles</a:t>
             </a:r>
           </a:p>
           <a:p>
             <a:pPr lvl="1"/>
             <a:r>
-              <a:rPr lang="en-US" smtClean="0"/>
+              <a:rPr lang="en-US"/>
               <a:t>Second level</a:t>
             </a:r>
           </a:p>
           <a:p>
             <a:pPr lvl="2"/>
             <a:r>
-              <a:rPr lang="en-US" smtClean="0"/>
+              <a:rPr lang="en-US"/>
               <a:t>Third level</a:t>
             </a:r>
           </a:p>
           <a:p>
             <a:pPr lvl="3"/>
             <a:r>
-              <a:rPr lang="en-US" smtClean="0"/>
+              <a:rPr lang="en-US"/>
               <a:t>Fourth level</a:t>
             </a:r>
           </a:p>
           <a:p>
             <a:pPr lvl="4"/>
             <a:r>
-              <a:rPr lang="en-US" smtClean="0"/>
+              <a:rPr lang="en-US"/>
               <a:t>Fifth level</a:t>
             </a:r>
-            <a:endParaRPr lang="en-US"/>
           </a:p>
         </p:txBody>
       </p:sp>
@@ -2078,7 +2062,7 @@
           <a:p>
             <a:pPr lvl="0"/>
             <a:r>
-              <a:rPr lang="en-US" smtClean="0"/>
+              <a:rPr lang="en-US"/>
               <a:t>Edit Master text styles</a:t>
             </a:r>
           </a:p>
@@ -2101,7 +2085,7 @@
           <a:p>
             <a:fld id="{AB2EBD6C-865C-469B-B79C-DBC19B8D7A2C}" type="datetimeFigureOut">
               <a:rPr lang="en-US" smtClean="0"/>
-              <a:t>2/12/2018</a:t>
+              <a:t>2/1/2021</a:t>
             </a:fld>
             <a:endParaRPr lang="en-US"/>
           </a:p>
@@ -2204,10 +2188,9 @@
           </a:lstStyle>
           <a:p>
             <a:r>
-              <a:rPr lang="en-US" smtClean="0"/>
+              <a:rPr lang="en-US"/>
               <a:t>Click to edit Master title style</a:t>
             </a:r>
-            <a:endParaRPr lang="en-US"/>
           </a:p>
         </p:txBody>
       </p:sp>
@@ -2331,7 +2314,7 @@
           <a:p>
             <a:pPr lvl="0"/>
             <a:r>
-              <a:rPr lang="en-US" smtClean="0"/>
+              <a:rPr lang="en-US"/>
               <a:t>Edit Master text styles</a:t>
             </a:r>
           </a:p>
@@ -2354,7 +2337,7 @@
           <a:p>
             <a:fld id="{AB2EBD6C-865C-469B-B79C-DBC19B8D7A2C}" type="datetimeFigureOut">
               <a:rPr lang="en-US" smtClean="0"/>
-              <a:t>2/12/2018</a:t>
+              <a:t>2/1/2021</a:t>
             </a:fld>
             <a:endParaRPr lang="en-US"/>
           </a:p>
@@ -2463,10 +2446,9 @@
           <a:lstStyle/>
           <a:p>
             <a:r>
-              <a:rPr lang="en-US" smtClean="0"/>
+              <a:rPr lang="en-US"/>
               <a:t>Click to edit Master title style</a:t>
             </a:r>
-            <a:endParaRPr lang="en-US"/>
           </a:p>
         </p:txBody>
       </p:sp>
@@ -2497,38 +2479,37 @@
           <a:p>
             <a:pPr lvl="0"/>
             <a:r>
-              <a:rPr lang="en-US" smtClean="0"/>
+              <a:rPr lang="en-US"/>
               <a:t>Edit Master text styles</a:t>
             </a:r>
           </a:p>
           <a:p>
             <a:pPr lvl="1"/>
             <a:r>
-              <a:rPr lang="en-US" smtClean="0"/>
+              <a:rPr lang="en-US"/>
               <a:t>Second level</a:t>
             </a:r>
           </a:p>
           <a:p>
             <a:pPr lvl="2"/>
             <a:r>
-              <a:rPr lang="en-US" smtClean="0"/>
+              <a:rPr lang="en-US"/>
               <a:t>Third level</a:t>
             </a:r>
           </a:p>
           <a:p>
             <a:pPr lvl="3"/>
             <a:r>
-              <a:rPr lang="en-US" smtClean="0"/>
+              <a:rPr lang="en-US"/>
               <a:t>Fourth level</a:t>
             </a:r>
           </a:p>
           <a:p>
             <a:pPr lvl="4"/>
             <a:r>
-              <a:rPr lang="en-US" smtClean="0"/>
+              <a:rPr lang="en-US"/>
               <a:t>Fifth level</a:t>
             </a:r>
-            <a:endParaRPr lang="en-US"/>
           </a:p>
         </p:txBody>
       </p:sp>
@@ -2567,7 +2548,7 @@
           <a:p>
             <a:fld id="{AB2EBD6C-865C-469B-B79C-DBC19B8D7A2C}" type="datetimeFigureOut">
               <a:rPr lang="en-US" smtClean="0"/>
-              <a:t>2/12/2018</a:t>
+              <a:t>2/1/2021</a:t>
             </a:fld>
             <a:endParaRPr lang="en-US"/>
           </a:p>
@@ -3076,7 +3057,7 @@
           <a:p>
             <a:pPr algn="ctr"/>
             <a:r>
-              <a:rPr lang="en-US" sz="4400" dirty="0" smtClean="0">
+              <a:rPr lang="en-US" sz="4400" dirty="0">
                 <a:solidFill>
                   <a:schemeClr val="tx1">
                     <a:lumMod val="50000"/>
@@ -3087,15 +3068,6 @@
               </a:rPr>
               <a:t>Workshops</a:t>
             </a:r>
-            <a:endParaRPr lang="en-US" sz="4400" dirty="0">
-              <a:solidFill>
-                <a:schemeClr val="tx1">
-                  <a:lumMod val="50000"/>
-                  <a:lumOff val="50000"/>
-                </a:schemeClr>
-              </a:solidFill>
-              <a:latin typeface="Berlin Sans FB Demi" panose="020E0802020502020306" pitchFamily="34" charset="0"/>
-            </a:endParaRPr>
           </a:p>
         </p:txBody>
       </p:sp>
@@ -3291,6 +3263,285 @@
       </p:sp>
       <p:pic>
         <p:nvPicPr>
+          <p:cNvPr id="3" name="Picture 2" descr="A picture containing text&#10;&#10;Description automatically generated">
+            <a:extLst>
+              <a:ext uri="{FF2B5EF4-FFF2-40B4-BE49-F238E27FC236}">
+                <a16:creationId xmlns:a16="http://schemas.microsoft.com/office/drawing/2014/main" id="{62D95AB0-A2FE-4597-8C0C-9B907FF0860B}"/>
+              </a:ext>
+            </a:extLst>
+          </p:cNvPr>
+          <p:cNvPicPr>
+            <a:picLocks noChangeAspect="1"/>
+          </p:cNvPicPr>
+          <p:nvPr/>
+        </p:nvPicPr>
+        <p:blipFill>
+          <a:blip r:embed="rId2" cstate="print">
+            <a:extLst>
+              <a:ext uri="{28A0092B-C50C-407E-A947-70E740481C1C}">
+                <a14:useLocalDpi xmlns:a14="http://schemas.microsoft.com/office/drawing/2010/main" val="0"/>
+              </a:ext>
+            </a:extLst>
+          </a:blip>
+          <a:stretch>
+            <a:fillRect/>
+          </a:stretch>
+        </p:blipFill>
+        <p:spPr>
+          <a:xfrm>
+            <a:off x="1159792" y="2810599"/>
+            <a:ext cx="4133088" cy="2059351"/>
+          </a:xfrm>
+          <a:prstGeom prst="rect">
+            <a:avLst/>
+          </a:prstGeom>
+          <a:ln>
+            <a:solidFill>
+              <a:schemeClr val="tx1"/>
+            </a:solidFill>
+          </a:ln>
+        </p:spPr>
+      </p:pic>
+    </p:spTree>
+    <p:extLst>
+      <p:ext uri="{BB962C8B-B14F-4D97-AF65-F5344CB8AC3E}">
+        <p14:creationId xmlns:p14="http://schemas.microsoft.com/office/powerpoint/2010/main" val="2143220322"/>
+      </p:ext>
+    </p:extLst>
+  </p:cSld>
+  <p:clrMapOvr>
+    <a:masterClrMapping/>
+  </p:clrMapOvr>
+</p:sld>
+</file>
+
+<file path=ppt/slides/slide4.xml><?xml version="1.0" encoding="utf-8"?>
+<p:sld xmlns:a="http://schemas.openxmlformats.org/drawingml/2006/main" xmlns:r="http://schemas.openxmlformats.org/officeDocument/2006/relationships" xmlns:p="http://schemas.openxmlformats.org/presentationml/2006/main">
+  <p:cSld>
+    <p:spTree>
+      <p:nvGrpSpPr>
+        <p:cNvPr id="1" name=""/>
+        <p:cNvGrpSpPr/>
+        <p:nvPr/>
+      </p:nvGrpSpPr>
+      <p:grpSpPr>
+        <a:xfrm>
+          <a:off x="0" y="0"/>
+          <a:ext cx="0" cy="0"/>
+          <a:chOff x="0" y="0"/>
+          <a:chExt cx="0" cy="0"/>
+        </a:xfrm>
+      </p:grpSpPr>
+      <p:sp>
+        <p:nvSpPr>
+          <p:cNvPr id="4" name="Rectangle 3"/>
+          <p:cNvSpPr/>
+          <p:nvPr/>
+        </p:nvSpPr>
+        <p:spPr>
+          <a:xfrm>
+            <a:off x="2589506" y="718868"/>
+            <a:ext cx="5074920" cy="5074920"/>
+          </a:xfrm>
+          <a:prstGeom prst="rect">
+            <a:avLst/>
+          </a:prstGeom>
+          <a:solidFill>
+            <a:schemeClr val="bg1">
+              <a:lumMod val="85000"/>
+            </a:schemeClr>
+          </a:solidFill>
+          <a:ln>
+            <a:solidFill>
+              <a:schemeClr val="tx1"/>
+            </a:solidFill>
+          </a:ln>
+        </p:spPr>
+        <p:style>
+          <a:lnRef idx="2">
+            <a:schemeClr val="accent1">
+              <a:shade val="50000"/>
+            </a:schemeClr>
+          </a:lnRef>
+          <a:fillRef idx="1">
+            <a:schemeClr val="accent1"/>
+          </a:fillRef>
+          <a:effectRef idx="0">
+            <a:schemeClr val="accent1"/>
+          </a:effectRef>
+          <a:fontRef idx="minor">
+            <a:schemeClr val="lt1"/>
+          </a:fontRef>
+        </p:style>
+        <p:txBody>
+          <a:bodyPr rtlCol="0" anchor="ctr"/>
+          <a:lstStyle/>
+          <a:p>
+            <a:pPr algn="ctr"/>
+            <a:endParaRPr lang="en-US"/>
+          </a:p>
+        </p:txBody>
+      </p:sp>
+      <p:pic>
+        <p:nvPicPr>
+          <p:cNvPr id="3" name="Picture 2" descr="A picture containing text&#10;&#10;Description automatically generated">
+            <a:extLst>
+              <a:ext uri="{FF2B5EF4-FFF2-40B4-BE49-F238E27FC236}">
+                <a16:creationId xmlns:a16="http://schemas.microsoft.com/office/drawing/2014/main" id="{7E7A9A34-73F3-4CA5-AEAC-978C752ACDD7}"/>
+              </a:ext>
+            </a:extLst>
+          </p:cNvPr>
+          <p:cNvPicPr>
+            <a:picLocks noChangeAspect="1"/>
+          </p:cNvPicPr>
+          <p:nvPr/>
+        </p:nvPicPr>
+        <p:blipFill>
+          <a:blip r:embed="rId2" cstate="print">
+            <a:extLst>
+              <a:ext uri="{28A0092B-C50C-407E-A947-70E740481C1C}">
+                <a14:useLocalDpi xmlns:a14="http://schemas.microsoft.com/office/drawing/2010/main" val="0"/>
+              </a:ext>
+            </a:extLst>
+          </a:blip>
+          <a:stretch>
+            <a:fillRect/>
+          </a:stretch>
+        </p:blipFill>
+        <p:spPr>
+          <a:xfrm>
+            <a:off x="2694662" y="1611130"/>
+            <a:ext cx="4864608" cy="2423837"/>
+          </a:xfrm>
+          <a:prstGeom prst="rect">
+            <a:avLst/>
+          </a:prstGeom>
+          <a:ln>
+            <a:solidFill>
+              <a:schemeClr val="tx1"/>
+            </a:solidFill>
+          </a:ln>
+        </p:spPr>
+      </p:pic>
+      <p:sp>
+        <p:nvSpPr>
+          <p:cNvPr id="7" name="TextBox 6"/>
+          <p:cNvSpPr txBox="1"/>
+          <p:nvPr/>
+        </p:nvSpPr>
+        <p:spPr>
+          <a:xfrm>
+            <a:off x="2810628" y="4318959"/>
+            <a:ext cx="4664016" cy="769441"/>
+          </a:xfrm>
+          <a:prstGeom prst="rect">
+            <a:avLst/>
+          </a:prstGeom>
+          <a:noFill/>
+        </p:spPr>
+        <p:txBody>
+          <a:bodyPr wrap="square" rtlCol="0">
+            <a:spAutoFit/>
+          </a:bodyPr>
+          <a:lstStyle/>
+          <a:p>
+            <a:pPr algn="ctr"/>
+            <a:r>
+              <a:rPr lang="en-US" sz="4400" dirty="0">
+                <a:solidFill>
+                  <a:schemeClr val="accent1">
+                    <a:lumMod val="50000"/>
+                  </a:schemeClr>
+                </a:solidFill>
+                <a:latin typeface="Berlin Sans FB Demi" panose="020E0802020502020306" pitchFamily="34" charset="0"/>
+              </a:rPr>
+              <a:t>Spring 2021</a:t>
+            </a:r>
+          </a:p>
+        </p:txBody>
+      </p:sp>
+    </p:spTree>
+    <p:extLst>
+      <p:ext uri="{BB962C8B-B14F-4D97-AF65-F5344CB8AC3E}">
+        <p14:creationId xmlns:p14="http://schemas.microsoft.com/office/powerpoint/2010/main" val="2910653430"/>
+      </p:ext>
+    </p:extLst>
+  </p:cSld>
+  <p:clrMapOvr>
+    <a:masterClrMapping/>
+  </p:clrMapOvr>
+</p:sld>
+</file>
+
+<file path=ppt/slides/slide5.xml><?xml version="1.0" encoding="utf-8"?>
+<p:sld xmlns:a="http://schemas.openxmlformats.org/drawingml/2006/main" xmlns:r="http://schemas.openxmlformats.org/officeDocument/2006/relationships" xmlns:p="http://schemas.openxmlformats.org/presentationml/2006/main">
+  <p:cSld>
+    <p:spTree>
+      <p:nvGrpSpPr>
+        <p:cNvPr id="1" name=""/>
+        <p:cNvGrpSpPr/>
+        <p:nvPr/>
+      </p:nvGrpSpPr>
+      <p:grpSpPr>
+        <a:xfrm>
+          <a:off x="0" y="0"/>
+          <a:ext cx="0" cy="0"/>
+          <a:chOff x="0" y="0"/>
+          <a:chExt cx="0" cy="0"/>
+        </a:xfrm>
+      </p:grpSpPr>
+      <p:sp>
+        <p:nvSpPr>
+          <p:cNvPr id="5" name="Rectangle 4"/>
+          <p:cNvSpPr/>
+          <p:nvPr/>
+        </p:nvSpPr>
+        <p:spPr>
+          <a:xfrm>
+            <a:off x="0" y="2306128"/>
+            <a:ext cx="12192000" cy="3053750"/>
+          </a:xfrm>
+          <a:prstGeom prst="rect">
+            <a:avLst/>
+          </a:prstGeom>
+          <a:solidFill>
+            <a:schemeClr val="bg1">
+              <a:lumMod val="85000"/>
+            </a:schemeClr>
+          </a:solidFill>
+          <a:ln>
+            <a:solidFill>
+              <a:schemeClr val="tx1"/>
+            </a:solidFill>
+          </a:ln>
+        </p:spPr>
+        <p:style>
+          <a:lnRef idx="2">
+            <a:schemeClr val="accent1">
+              <a:shade val="50000"/>
+            </a:schemeClr>
+          </a:lnRef>
+          <a:fillRef idx="1">
+            <a:schemeClr val="accent1"/>
+          </a:fillRef>
+          <a:effectRef idx="0">
+            <a:schemeClr val="accent1"/>
+          </a:effectRef>
+          <a:fontRef idx="minor">
+            <a:schemeClr val="lt1"/>
+          </a:fontRef>
+        </p:style>
+        <p:txBody>
+          <a:bodyPr rtlCol="0" anchor="ctr"/>
+          <a:lstStyle/>
+          <a:p>
+            <a:pPr algn="ctr"/>
+            <a:endParaRPr lang="en-US"/>
+          </a:p>
+        </p:txBody>
+      </p:sp>
+      <p:pic>
+        <p:nvPicPr>
           <p:cNvPr id="6" name="Picture 5"/>
           <p:cNvPicPr>
             <a:picLocks noChangeAspect="1"/>
@@ -3332,7 +3583,7 @@
 </p:sld>
 </file>
 
-<file path=ppt/slides/slide4.xml><?xml version="1.0" encoding="utf-8"?>
+<file path=ppt/slides/slide6.xml><?xml version="1.0" encoding="utf-8"?>
 <p:sld xmlns:a="http://schemas.openxmlformats.org/drawingml/2006/main" xmlns:r="http://schemas.openxmlformats.org/officeDocument/2006/relationships" xmlns:p="http://schemas.openxmlformats.org/presentationml/2006/main">
   <p:cSld>
     <p:spTree>
@@ -3453,7 +3704,7 @@
           <a:p>
             <a:pPr algn="ctr"/>
             <a:r>
-              <a:rPr lang="en-US" sz="4400" dirty="0" smtClean="0">
+              <a:rPr lang="en-US" sz="4400" dirty="0">
                 <a:solidFill>
                   <a:schemeClr val="accent1">
                     <a:lumMod val="50000"/>
@@ -3463,14 +3714,6 @@
               </a:rPr>
               <a:t>Feb. 9, 2018</a:t>
             </a:r>
-            <a:endParaRPr lang="en-US" sz="4400" dirty="0">
-              <a:solidFill>
-                <a:schemeClr val="accent1">
-                  <a:lumMod val="50000"/>
-                </a:schemeClr>
-              </a:solidFill>
-              <a:latin typeface="Berlin Sans FB Demi" panose="020E0802020502020306" pitchFamily="34" charset="0"/>
-            </a:endParaRPr>
           </a:p>
         </p:txBody>
       </p:sp>
